--- a/Slide Decks/Wednesday Morning.pptx
+++ b/Slide Decks/Wednesday Morning.pptx
@@ -15,9 +15,9 @@
     <p:sldId id="271" r:id="rId6"/>
     <p:sldId id="305" r:id="rId7"/>
     <p:sldId id="272" r:id="rId8"/>
-    <p:sldId id="270" r:id="rId9"/>
-    <p:sldId id="261" r:id="rId10"/>
-    <p:sldId id="268" r:id="rId11"/>
+    <p:sldId id="268" r:id="rId9"/>
+    <p:sldId id="270" r:id="rId10"/>
+    <p:sldId id="261" r:id="rId11"/>
     <p:sldId id="304" r:id="rId12"/>
     <p:sldId id="307" r:id="rId13"/>
     <p:sldId id="306" r:id="rId14"/>
@@ -383,7 +383,7 @@
           <a:p>
             <a:fld id="{92480757-5C5E-9B43-90BF-FE9C12559E24}" type="datetimeFigureOut">
               <a:rPr lang="en-US" smtClean="0"/>
-              <a:t>5/4/22</a:t>
+              <a:t>5/18/2022</a:t>
             </a:fld>
             <a:endParaRPr lang="en-US"/>
           </a:p>
@@ -1278,7 +1278,7 @@
           <a:p>
             <a:fld id="{8858C042-55F6-4044-A4DE-B4FCA7C0AD86}" type="datetimeFigureOut">
               <a:rPr lang="en-US" smtClean="0"/>
-              <a:t>5/4/22</a:t>
+              <a:t>5/18/2022</a:t>
             </a:fld>
             <a:endParaRPr lang="en-US" dirty="0"/>
           </a:p>
@@ -1840,7 +1840,7 @@
           <a:p>
             <a:fld id="{8858C042-55F6-4044-A4DE-B4FCA7C0AD86}" type="datetimeFigureOut">
               <a:rPr lang="en-US" smtClean="0"/>
-              <a:t>5/4/22</a:t>
+              <a:t>5/18/2022</a:t>
             </a:fld>
             <a:endParaRPr lang="en-US" dirty="0"/>
           </a:p>
@@ -2373,7 +2373,7 @@
           <a:p>
             <a:fld id="{8858C042-55F6-4044-A4DE-B4FCA7C0AD86}" type="datetimeFigureOut">
               <a:rPr lang="en-US" smtClean="0"/>
-              <a:t>5/4/22</a:t>
+              <a:t>5/18/2022</a:t>
             </a:fld>
             <a:endParaRPr lang="en-US" dirty="0"/>
           </a:p>
@@ -2560,7 +2560,7 @@
           <a:p>
             <a:fld id="{8858C042-55F6-4044-A4DE-B4FCA7C0AD86}" type="datetimeFigureOut">
               <a:rPr lang="en-US" smtClean="0"/>
-              <a:t>5/4/22</a:t>
+              <a:t>5/18/2022</a:t>
             </a:fld>
             <a:endParaRPr lang="en-US" dirty="0"/>
           </a:p>
@@ -2973,7 +2973,7 @@
           <a:p>
             <a:fld id="{8858C042-55F6-4044-A4DE-B4FCA7C0AD86}" type="datetimeFigureOut">
               <a:rPr lang="en-US" smtClean="0"/>
-              <a:t>5/4/22</a:t>
+              <a:t>5/18/2022</a:t>
             </a:fld>
             <a:endParaRPr lang="en-US" dirty="0"/>
           </a:p>
@@ -3248,7 +3248,7 @@
           <a:p>
             <a:fld id="{8858C042-55F6-4044-A4DE-B4FCA7C0AD86}" type="datetimeFigureOut">
               <a:rPr lang="en-US" smtClean="0"/>
-              <a:t>5/4/22</a:t>
+              <a:t>5/18/2022</a:t>
             </a:fld>
             <a:endParaRPr lang="en-US" dirty="0"/>
           </a:p>
@@ -3988,7 +3988,7 @@
           <a:p>
             <a:fld id="{8858C042-55F6-4044-A4DE-B4FCA7C0AD86}" type="datetimeFigureOut">
               <a:rPr lang="en-US" smtClean="0"/>
-              <a:t>5/4/22</a:t>
+              <a:t>5/18/2022</a:t>
             </a:fld>
             <a:endParaRPr lang="en-US"/>
           </a:p>
@@ -4498,7 +4498,7 @@
           <p:cNvPr id="2" name="Title 1">
             <a:extLst>
               <a:ext uri="{FF2B5EF4-FFF2-40B4-BE49-F238E27FC236}">
-                <a16:creationId xmlns:a16="http://schemas.microsoft.com/office/drawing/2014/main" id="{B710C750-D7FA-6542-4C30-0721D4303993}"/>
+                <a16:creationId xmlns:a16="http://schemas.microsoft.com/office/drawing/2014/main" id="{222FB554-49A9-284B-A4AB-77CD77B6A823}"/>
               </a:ext>
             </a:extLst>
           </p:cNvPr>
@@ -4516,21 +4516,21 @@
           <a:p>
             <a:r>
               <a:rPr lang="en-US" dirty="0"/>
-              <a:t>Break								</a:t>
+              <a:t>CYO										</a:t>
             </a:r>
             <a:r>
               <a:rPr lang="en-US" sz="2000" dirty="0"/>
-              <a:t>(10:00)</a:t>
-            </a:r>
-          </a:p>
-        </p:txBody>
-      </p:sp>
-      <p:sp>
-        <p:nvSpPr>
-          <p:cNvPr id="3" name="Text Placeholder 2">
-            <a:extLst>
-              <a:ext uri="{FF2B5EF4-FFF2-40B4-BE49-F238E27FC236}">
-                <a16:creationId xmlns:a16="http://schemas.microsoft.com/office/drawing/2014/main" id="{1DC7D22F-6570-09BE-BA04-6194DFED9397}"/>
+              <a:t>(9:45)</a:t>
+            </a:r>
+          </a:p>
+        </p:txBody>
+      </p:sp>
+      <p:sp>
+        <p:nvSpPr>
+          <p:cNvPr id="3" name="Content Placeholder 2">
+            <a:extLst>
+              <a:ext uri="{FF2B5EF4-FFF2-40B4-BE49-F238E27FC236}">
+                <a16:creationId xmlns:a16="http://schemas.microsoft.com/office/drawing/2014/main" id="{183AE60D-3BFE-5F47-A993-626448AED216}"/>
               </a:ext>
             </a:extLst>
           </p:cNvPr>
@@ -4538,7 +4538,7 @@
             <a:spLocks noGrp="1"/>
           </p:cNvSpPr>
           <p:nvPr>
-            <p:ph type="body" idx="1"/>
+            <p:ph idx="1"/>
           </p:nvPr>
         </p:nvSpPr>
         <p:spPr/>
@@ -4548,7 +4548,48 @@
           <a:p>
             <a:r>
               <a:rPr lang="en-US" dirty="0"/>
-              <a:t>We’ll start back up at 10:15</a:t>
+              <a:t>NDSLorenz2</a:t>
+            </a:r>
+          </a:p>
+          <a:p>
+            <a:pPr lvl="1"/>
+            <a:r>
+              <a:rPr lang="en-US" dirty="0"/>
+              <a:t>Compare metrics to NDSLorenz1</a:t>
+            </a:r>
+          </a:p>
+          <a:p>
+            <a:pPr lvl="1"/>
+            <a:r>
+              <a:rPr lang="en-US" dirty="0"/>
+              <a:t>Might want to plot the three components</a:t>
+            </a:r>
+          </a:p>
+          <a:p>
+            <a:r>
+              <a:rPr lang="en-US" dirty="0"/>
+              <a:t>NDSRossler1</a:t>
+            </a:r>
+          </a:p>
+          <a:p>
+            <a:pPr lvl="1"/>
+            <a:r>
+              <a:rPr lang="en-US" dirty="0"/>
+              <a:t>A different system</a:t>
+            </a:r>
+          </a:p>
+          <a:p>
+            <a:pPr lvl="1"/>
+            <a:r>
+              <a:rPr lang="en-US" dirty="0"/>
+              <a:t>Might want to plot the three components</a:t>
+            </a:r>
+          </a:p>
+          <a:p>
+            <a:pPr lvl="1"/>
+            <a:r>
+              <a:rPr lang="en-US" dirty="0"/>
+              <a:t>Still stored as x, y, and z, though.</a:t>
             </a:r>
           </a:p>
         </p:txBody>
@@ -4556,7 +4597,7 @@
     </p:spTree>
     <p:extLst>
       <p:ext uri="{BB962C8B-B14F-4D97-AF65-F5344CB8AC3E}">
-        <p14:creationId xmlns:p14="http://schemas.microsoft.com/office/powerpoint/2010/main" val="712350414"/>
+        <p14:creationId xmlns:p14="http://schemas.microsoft.com/office/powerpoint/2010/main" val="2430946666"/>
       </p:ext>
     </p:extLst>
   </p:cSld>
@@ -4991,7 +5032,7 @@
             <a:avLst/>
           </a:prstGeom>
           <a:noFill/>
-          <a:ln w="317500">
+          <a:ln w="381000">
             <a:solidFill>
               <a:srgbClr val="C00000"/>
             </a:solidFill>
@@ -5045,7 +5086,7 @@
           <a:prstGeom prst="line">
             <a:avLst/>
           </a:prstGeom>
-          <a:ln w="317500">
+          <a:ln w="381000">
             <a:solidFill>
               <a:srgbClr val="C00000"/>
             </a:solidFill>
@@ -5942,7 +5983,9 @@
         </p:nvSpPr>
         <p:spPr/>
         <p:txBody>
-          <a:bodyPr/>
+          <a:bodyPr>
+            <a:normAutofit/>
+          </a:bodyPr>
           <a:lstStyle/>
           <a:p>
             <a:r>
@@ -5962,7 +6005,14 @@
             </a:r>
             <a:r>
               <a:rPr lang="en-US" dirty="0"/>
-              <a:t> theorem”</a:t>
+              <a:t> theorem” and others</a:t>
+            </a:r>
+          </a:p>
+          <a:p>
+            <a:pPr lvl="1"/>
+            <a:r>
+              <a:rPr lang="en-US" dirty="0"/>
+              <a:t>Won’t look at this too much because it’s about to change</a:t>
             </a:r>
           </a:p>
           <a:p>
@@ -6004,13 +6054,6 @@
             <a:r>
               <a:rPr lang="en-US" dirty="0"/>
               <a:t>NDSState1</a:t>
-            </a:r>
-          </a:p>
-          <a:p>
-            <a:pPr lvl="1"/>
-            <a:r>
-              <a:rPr lang="en-US" dirty="0"/>
-              <a:t>NDSState2</a:t>
             </a:r>
           </a:p>
         </p:txBody>
@@ -6951,8 +6994,13 @@
           <a:p>
             <a:r>
               <a:rPr lang="en-US" dirty="0"/>
-              <a:t>We’ll reconvene at 1:30</a:t>
-            </a:r>
+              <a:t>We’ll reconvene at 1:00 (Note the time change, so the Trauma students can leave at </a:t>
+            </a:r>
+            <a:r>
+              <a:rPr lang="en-US"/>
+              <a:t>3:55 today)</a:t>
+            </a:r>
+            <a:endParaRPr lang="en-US" dirty="0"/>
           </a:p>
           <a:p>
             <a:endParaRPr lang="en-US" dirty="0"/>
@@ -7891,7 +7939,7 @@
           <p:cNvPr id="2" name="Title 1">
             <a:extLst>
               <a:ext uri="{FF2B5EF4-FFF2-40B4-BE49-F238E27FC236}">
-                <a16:creationId xmlns:a16="http://schemas.microsoft.com/office/drawing/2014/main" id="{DE55E634-EB1D-E477-CD28-4DEF04D4A884}"/>
+                <a16:creationId xmlns:a16="http://schemas.microsoft.com/office/drawing/2014/main" id="{B710C750-D7FA-6542-4C30-0721D4303993}"/>
               </a:ext>
             </a:extLst>
           </p:cNvPr>
@@ -7909,22 +7957,21 @@
           <a:p>
             <a:r>
               <a:rPr lang="en-US" dirty="0"/>
-              <a:t>Lorenz RP									</a:t>
-            </a:r>
-            <a:r>
-              <a:rPr lang="en-US" sz="2000"/>
-              <a:t>(9:35)</a:t>
-            </a:r>
-            <a:endParaRPr lang="en-US" sz="2000" dirty="0"/>
-          </a:p>
-        </p:txBody>
-      </p:sp>
-      <p:sp>
-        <p:nvSpPr>
-          <p:cNvPr id="3" name="Content Placeholder 2">
-            <a:extLst>
-              <a:ext uri="{FF2B5EF4-FFF2-40B4-BE49-F238E27FC236}">
-                <a16:creationId xmlns:a16="http://schemas.microsoft.com/office/drawing/2014/main" id="{4BC8D2C8-C0FC-659C-4DCE-9A25FC3F477D}"/>
+              <a:t>Break								</a:t>
+            </a:r>
+            <a:r>
+              <a:rPr lang="en-US" sz="2000" dirty="0"/>
+              <a:t>(10:00)</a:t>
+            </a:r>
+          </a:p>
+        </p:txBody>
+      </p:sp>
+      <p:sp>
+        <p:nvSpPr>
+          <p:cNvPr id="3" name="Text Placeholder 2">
+            <a:extLst>
+              <a:ext uri="{FF2B5EF4-FFF2-40B4-BE49-F238E27FC236}">
+                <a16:creationId xmlns:a16="http://schemas.microsoft.com/office/drawing/2014/main" id="{1DC7D22F-6570-09BE-BA04-6194DFED9397}"/>
               </a:ext>
             </a:extLst>
           </p:cNvPr>
@@ -7932,414 +7979,25 @@
             <a:spLocks noGrp="1"/>
           </p:cNvSpPr>
           <p:nvPr>
-            <p:ph idx="1"/>
+            <p:ph type="body" idx="1"/>
           </p:nvPr>
         </p:nvSpPr>
-        <p:spPr>
-          <a:xfrm>
-            <a:off x="838200" y="1651058"/>
-            <a:ext cx="10951346" cy="4971684"/>
-          </a:xfrm>
-        </p:spPr>
-        <p:txBody>
-          <a:bodyPr>
-            <a:normAutofit fontScale="77500" lnSpcReduction="20000"/>
-          </a:bodyPr>
+        <p:spPr/>
+        <p:txBody>
+          <a:bodyPr/>
           <a:lstStyle/>
           <a:p>
             <a:r>
               <a:rPr lang="en-US" dirty="0"/>
-              <a:t>Can do multi-dimensional RQA (direct from state space, not from recurrence plot) via </a:t>
-            </a:r>
-            <a:r>
-              <a:rPr lang="en-US" dirty="0" err="1">
-                <a:latin typeface="Consolas" panose="020B0609020204030204" pitchFamily="49" charset="0"/>
-                <a:cs typeface="Consolas" panose="020B0609020204030204" pitchFamily="49" charset="0"/>
-              </a:rPr>
-              <a:t>rqapp</a:t>
-            </a:r>
-            <a:r>
-              <a:rPr lang="en-US" dirty="0">
-                <a:latin typeface="Consolas" panose="020B0609020204030204" pitchFamily="49" charset="0"/>
-                <a:cs typeface="Consolas" panose="020B0609020204030204" pitchFamily="49" charset="0"/>
-              </a:rPr>
-              <a:t>::</a:t>
-            </a:r>
-            <a:r>
-              <a:rPr lang="en-US" dirty="0" err="1">
-                <a:latin typeface="Consolas" panose="020B0609020204030204" pitchFamily="49" charset="0"/>
-                <a:cs typeface="Consolas" panose="020B0609020204030204" pitchFamily="49" charset="0"/>
-              </a:rPr>
-              <a:t>mdrqa</a:t>
-            </a:r>
-            <a:r>
-              <a:rPr lang="en-US" dirty="0">
-                <a:latin typeface="Consolas" panose="020B0609020204030204" pitchFamily="49" charset="0"/>
-                <a:cs typeface="Consolas" panose="020B0609020204030204" pitchFamily="49" charset="0"/>
-              </a:rPr>
-              <a:t>()</a:t>
-            </a:r>
-          </a:p>
-          <a:p>
-            <a:pPr lvl="1"/>
-            <a:r>
-              <a:rPr lang="en-US" dirty="0"/>
-              <a:t>Installation: </a:t>
-            </a:r>
-            <a:r>
-              <a:rPr lang="en-US" dirty="0" err="1">
-                <a:latin typeface="Consolas" panose="020B0609020204030204" pitchFamily="49" charset="0"/>
-                <a:cs typeface="Consolas" panose="020B0609020204030204" pitchFamily="49" charset="0"/>
-              </a:rPr>
-              <a:t>devtools</a:t>
-            </a:r>
-            <a:r>
-              <a:rPr lang="en-US" dirty="0">
-                <a:latin typeface="Consolas" panose="020B0609020204030204" pitchFamily="49" charset="0"/>
-                <a:cs typeface="Consolas" panose="020B0609020204030204" pitchFamily="49" charset="0"/>
-              </a:rPr>
-              <a:t>::</a:t>
-            </a:r>
-            <a:r>
-              <a:rPr lang="en-US" dirty="0" err="1">
-                <a:latin typeface="Consolas" panose="020B0609020204030204" pitchFamily="49" charset="0"/>
-                <a:cs typeface="Consolas" panose="020B0609020204030204" pitchFamily="49" charset="0"/>
-              </a:rPr>
-              <a:t>install_github</a:t>
-            </a:r>
-            <a:r>
-              <a:rPr lang="en-US" dirty="0">
-                <a:latin typeface="Consolas" panose="020B0609020204030204" pitchFamily="49" charset="0"/>
-                <a:cs typeface="Consolas" panose="020B0609020204030204" pitchFamily="49" charset="0"/>
-              </a:rPr>
-              <a:t>('</a:t>
-            </a:r>
-            <a:r>
-              <a:rPr lang="en-US" dirty="0" err="1">
-                <a:latin typeface="Consolas" panose="020B0609020204030204" pitchFamily="49" charset="0"/>
-                <a:cs typeface="Consolas" panose="020B0609020204030204" pitchFamily="49" charset="0"/>
-              </a:rPr>
-              <a:t>aaronlikens</a:t>
-            </a:r>
-            <a:r>
-              <a:rPr lang="en-US" dirty="0">
-                <a:latin typeface="Consolas" panose="020B0609020204030204" pitchFamily="49" charset="0"/>
-                <a:cs typeface="Consolas" panose="020B0609020204030204" pitchFamily="49" charset="0"/>
-              </a:rPr>
-              <a:t>/</a:t>
-            </a:r>
-            <a:r>
-              <a:rPr lang="en-US" dirty="0" err="1">
-                <a:latin typeface="Consolas" panose="020B0609020204030204" pitchFamily="49" charset="0"/>
-                <a:cs typeface="Consolas" panose="020B0609020204030204" pitchFamily="49" charset="0"/>
-              </a:rPr>
-              <a:t>rqapp</a:t>
-            </a:r>
-            <a:r>
-              <a:rPr lang="en-US" dirty="0">
-                <a:latin typeface="Consolas" panose="020B0609020204030204" pitchFamily="49" charset="0"/>
-                <a:cs typeface="Consolas" panose="020B0609020204030204" pitchFamily="49" charset="0"/>
-              </a:rPr>
-              <a:t>’)</a:t>
-            </a:r>
-          </a:p>
-          <a:p>
-            <a:pPr lvl="1"/>
-            <a:r>
-              <a:rPr lang="en-US" dirty="0"/>
-              <a:t>Don’t forget to add </a:t>
-            </a:r>
-            <a:r>
-              <a:rPr lang="en-US" dirty="0" err="1">
-                <a:latin typeface="Consolas" panose="020B0609020204030204" pitchFamily="49" charset="0"/>
-                <a:cs typeface="Consolas" panose="020B0609020204030204" pitchFamily="49" charset="0"/>
-              </a:rPr>
-              <a:t>rqapp</a:t>
-            </a:r>
-            <a:r>
-              <a:rPr lang="en-US" dirty="0"/>
-              <a:t> to your library</a:t>
-            </a:r>
-          </a:p>
-          <a:p>
-            <a:pPr marL="457200" lvl="1" indent="0">
-              <a:buNone/>
-            </a:pPr>
-            <a:endParaRPr lang="en-US" dirty="0"/>
-          </a:p>
-          <a:p>
-            <a:pPr marL="0" indent="0">
-              <a:buNone/>
-            </a:pPr>
-            <a:r>
-              <a:rPr lang="en-US" sz="2600" dirty="0" err="1">
-                <a:latin typeface="Consolas" panose="020B0609020204030204" pitchFamily="49" charset="0"/>
-                <a:cs typeface="Consolas" panose="020B0609020204030204" pitchFamily="49" charset="0"/>
-              </a:rPr>
-              <a:t>mdrqa</a:t>
-            </a:r>
-            <a:r>
-              <a:rPr lang="en-US" sz="2600" dirty="0">
-                <a:latin typeface="Consolas" panose="020B0609020204030204" pitchFamily="49" charset="0"/>
-                <a:cs typeface="Consolas" panose="020B0609020204030204" pitchFamily="49" charset="0"/>
-              </a:rPr>
-              <a:t>(</a:t>
-            </a:r>
-            <a:r>
-              <a:rPr lang="en-US" sz="2600" dirty="0" err="1">
-                <a:latin typeface="Consolas" panose="020B0609020204030204" pitchFamily="49" charset="0"/>
-                <a:cs typeface="Consolas" panose="020B0609020204030204" pitchFamily="49" charset="0"/>
-              </a:rPr>
-              <a:t>ts</a:t>
-            </a:r>
-            <a:r>
-              <a:rPr lang="en-US" sz="2600" dirty="0">
-                <a:latin typeface="Consolas" panose="020B0609020204030204" pitchFamily="49" charset="0"/>
-                <a:cs typeface="Consolas" panose="020B0609020204030204" pitchFamily="49" charset="0"/>
-              </a:rPr>
-              <a:t> = </a:t>
-            </a:r>
-            <a:r>
-              <a:rPr lang="en-US" sz="2600" dirty="0" err="1">
-                <a:latin typeface="Consolas" panose="020B0609020204030204" pitchFamily="49" charset="0"/>
-                <a:cs typeface="Consolas" panose="020B0609020204030204" pitchFamily="49" charset="0"/>
-              </a:rPr>
-              <a:t>cbind</a:t>
-            </a:r>
-            <a:r>
-              <a:rPr lang="en-US" sz="2600" dirty="0">
-                <a:latin typeface="Consolas" panose="020B0609020204030204" pitchFamily="49" charset="0"/>
-                <a:cs typeface="Consolas" panose="020B0609020204030204" pitchFamily="49" charset="0"/>
-              </a:rPr>
-              <a:t>(</a:t>
-            </a:r>
-            <a:r>
-              <a:rPr lang="en-US" sz="2600" dirty="0" err="1">
-                <a:latin typeface="Consolas" panose="020B0609020204030204" pitchFamily="49" charset="0"/>
-                <a:cs typeface="Consolas" panose="020B0609020204030204" pitchFamily="49" charset="0"/>
-              </a:rPr>
-              <a:t>lorenz_ls$x</a:t>
-            </a:r>
-            <a:r>
-              <a:rPr lang="en-US" sz="2600" dirty="0">
-                <a:latin typeface="Consolas" panose="020B0609020204030204" pitchFamily="49" charset="0"/>
-                <a:cs typeface="Consolas" panose="020B0609020204030204" pitchFamily="49" charset="0"/>
-              </a:rPr>
-              <a:t>, </a:t>
-            </a:r>
-            <a:r>
-              <a:rPr lang="en-US" sz="2600" dirty="0" err="1">
-                <a:latin typeface="Consolas" panose="020B0609020204030204" pitchFamily="49" charset="0"/>
-                <a:cs typeface="Consolas" panose="020B0609020204030204" pitchFamily="49" charset="0"/>
-              </a:rPr>
-              <a:t>lorenz_ls$y</a:t>
-            </a:r>
-            <a:r>
-              <a:rPr lang="en-US" sz="2600" dirty="0">
-                <a:latin typeface="Consolas" panose="020B0609020204030204" pitchFamily="49" charset="0"/>
-                <a:cs typeface="Consolas" panose="020B0609020204030204" pitchFamily="49" charset="0"/>
-              </a:rPr>
-              <a:t>, </a:t>
-            </a:r>
-            <a:r>
-              <a:rPr lang="en-US" sz="2600" dirty="0" err="1">
-                <a:latin typeface="Consolas" panose="020B0609020204030204" pitchFamily="49" charset="0"/>
-                <a:cs typeface="Consolas" panose="020B0609020204030204" pitchFamily="49" charset="0"/>
-              </a:rPr>
-              <a:t>lorenz_ls$z</a:t>
-            </a:r>
-            <a:r>
-              <a:rPr lang="en-US" sz="2600" dirty="0">
-                <a:latin typeface="Consolas" panose="020B0609020204030204" pitchFamily="49" charset="0"/>
-                <a:cs typeface="Consolas" panose="020B0609020204030204" pitchFamily="49" charset="0"/>
-              </a:rPr>
-              <a:t>), # Read data first!</a:t>
-            </a:r>
-          </a:p>
-          <a:p>
-            <a:pPr marL="0" indent="0">
-              <a:buNone/>
-            </a:pPr>
-            <a:r>
-              <a:rPr lang="en-US" sz="2600" dirty="0">
-                <a:latin typeface="Consolas" panose="020B0609020204030204" pitchFamily="49" charset="0"/>
-                <a:cs typeface="Consolas" panose="020B0609020204030204" pitchFamily="49" charset="0"/>
-              </a:rPr>
-              <a:t>      embed = 1, # Each component is embedded in a single dimension</a:t>
-            </a:r>
-          </a:p>
-          <a:p>
-            <a:pPr marL="0" indent="0">
-              <a:buNone/>
-            </a:pPr>
-            <a:r>
-              <a:rPr lang="en-US" sz="2600" dirty="0">
-                <a:latin typeface="Consolas" panose="020B0609020204030204" pitchFamily="49" charset="0"/>
-                <a:cs typeface="Consolas" panose="020B0609020204030204" pitchFamily="49" charset="0"/>
-              </a:rPr>
-              <a:t>      delay = 0, </a:t>
-            </a:r>
-          </a:p>
-          <a:p>
-            <a:pPr marL="0" indent="0">
-              <a:buNone/>
-            </a:pPr>
-            <a:r>
-              <a:rPr lang="en-US" sz="2600" dirty="0">
-                <a:latin typeface="Consolas" panose="020B0609020204030204" pitchFamily="49" charset="0"/>
-                <a:cs typeface="Consolas" panose="020B0609020204030204" pitchFamily="49" charset="0"/>
-              </a:rPr>
-              <a:t>      rescale = 0, </a:t>
-            </a:r>
-          </a:p>
-          <a:p>
-            <a:pPr marL="0" indent="0">
-              <a:buNone/>
-            </a:pPr>
-            <a:r>
-              <a:rPr lang="en-US" sz="2600" dirty="0">
-                <a:latin typeface="Consolas" panose="020B0609020204030204" pitchFamily="49" charset="0"/>
-                <a:cs typeface="Consolas" panose="020B0609020204030204" pitchFamily="49" charset="0"/>
-              </a:rPr>
-              <a:t>      normalize = 0,</a:t>
-            </a:r>
-          </a:p>
-          <a:p>
-            <a:pPr marL="0" indent="0">
-              <a:buNone/>
-            </a:pPr>
-            <a:r>
-              <a:rPr lang="en-US" sz="2600" dirty="0">
-                <a:latin typeface="Consolas" panose="020B0609020204030204" pitchFamily="49" charset="0"/>
-                <a:cs typeface="Consolas" panose="020B0609020204030204" pitchFamily="49" charset="0"/>
-              </a:rPr>
-              <a:t>      </a:t>
-            </a:r>
-            <a:r>
-              <a:rPr lang="en-US" sz="2600" dirty="0" err="1">
-                <a:latin typeface="Consolas" panose="020B0609020204030204" pitchFamily="49" charset="0"/>
-                <a:cs typeface="Consolas" panose="020B0609020204030204" pitchFamily="49" charset="0"/>
-              </a:rPr>
-              <a:t>mindiagline</a:t>
-            </a:r>
-            <a:r>
-              <a:rPr lang="en-US" sz="2600" dirty="0">
-                <a:latin typeface="Consolas" panose="020B0609020204030204" pitchFamily="49" charset="0"/>
-                <a:cs typeface="Consolas" panose="020B0609020204030204" pitchFamily="49" charset="0"/>
-              </a:rPr>
-              <a:t> = 2, </a:t>
-            </a:r>
-          </a:p>
-          <a:p>
-            <a:pPr marL="0" indent="0">
-              <a:buNone/>
-            </a:pPr>
-            <a:r>
-              <a:rPr lang="en-US" sz="2600" dirty="0">
-                <a:latin typeface="Consolas" panose="020B0609020204030204" pitchFamily="49" charset="0"/>
-                <a:cs typeface="Consolas" panose="020B0609020204030204" pitchFamily="49" charset="0"/>
-              </a:rPr>
-              <a:t>      </a:t>
-            </a:r>
-            <a:r>
-              <a:rPr lang="en-US" sz="2600" dirty="0" err="1">
-                <a:latin typeface="Consolas" panose="020B0609020204030204" pitchFamily="49" charset="0"/>
-                <a:cs typeface="Consolas" panose="020B0609020204030204" pitchFamily="49" charset="0"/>
-              </a:rPr>
-              <a:t>minvertline</a:t>
-            </a:r>
-            <a:r>
-              <a:rPr lang="en-US" sz="2600" dirty="0">
-                <a:latin typeface="Consolas" panose="020B0609020204030204" pitchFamily="49" charset="0"/>
-                <a:cs typeface="Consolas" panose="020B0609020204030204" pitchFamily="49" charset="0"/>
-              </a:rPr>
-              <a:t> = 2, </a:t>
-            </a:r>
-          </a:p>
-          <a:p>
-            <a:pPr marL="0" indent="0">
-              <a:buNone/>
-            </a:pPr>
-            <a:r>
-              <a:rPr lang="en-US" sz="2600" dirty="0">
-                <a:latin typeface="Consolas" panose="020B0609020204030204" pitchFamily="49" charset="0"/>
-                <a:cs typeface="Consolas" panose="020B0609020204030204" pitchFamily="49" charset="0"/>
-              </a:rPr>
-              <a:t>      </a:t>
-            </a:r>
-            <a:r>
-              <a:rPr lang="en-US" sz="2600" dirty="0" err="1">
-                <a:latin typeface="Consolas" panose="020B0609020204030204" pitchFamily="49" charset="0"/>
-                <a:cs typeface="Consolas" panose="020B0609020204030204" pitchFamily="49" charset="0"/>
-              </a:rPr>
-              <a:t>t_win</a:t>
-            </a:r>
-            <a:r>
-              <a:rPr lang="en-US" sz="2600" dirty="0">
-                <a:latin typeface="Consolas" panose="020B0609020204030204" pitchFamily="49" charset="0"/>
-                <a:cs typeface="Consolas" panose="020B0609020204030204" pitchFamily="49" charset="0"/>
-              </a:rPr>
-              <a:t> = 0, </a:t>
-            </a:r>
-          </a:p>
-          <a:p>
-            <a:pPr marL="0" indent="0">
-              <a:buNone/>
-            </a:pPr>
-            <a:r>
-              <a:rPr lang="en-US" sz="2600" dirty="0">
-                <a:latin typeface="Consolas" panose="020B0609020204030204" pitchFamily="49" charset="0"/>
-                <a:cs typeface="Consolas" panose="020B0609020204030204" pitchFamily="49" charset="0"/>
-              </a:rPr>
-              <a:t>      radius = 0.2, </a:t>
-            </a:r>
-          </a:p>
-          <a:p>
-            <a:pPr marL="0" indent="0">
-              <a:buNone/>
-            </a:pPr>
-            <a:r>
-              <a:rPr lang="en-US" sz="2600" dirty="0">
-                <a:latin typeface="Consolas" panose="020B0609020204030204" pitchFamily="49" charset="0"/>
-                <a:cs typeface="Consolas" panose="020B0609020204030204" pitchFamily="49" charset="0"/>
-              </a:rPr>
-              <a:t>      </a:t>
-            </a:r>
-            <a:r>
-              <a:rPr lang="en-US" sz="2600" dirty="0" err="1">
-                <a:latin typeface="Consolas" panose="020B0609020204030204" pitchFamily="49" charset="0"/>
-                <a:cs typeface="Consolas" panose="020B0609020204030204" pitchFamily="49" charset="0"/>
-              </a:rPr>
-              <a:t>recpt</a:t>
-            </a:r>
-            <a:r>
-              <a:rPr lang="en-US" sz="2600" dirty="0">
-                <a:latin typeface="Consolas" panose="020B0609020204030204" pitchFamily="49" charset="0"/>
-                <a:cs typeface="Consolas" panose="020B0609020204030204" pitchFamily="49" charset="0"/>
-              </a:rPr>
-              <a:t> = 1) -&gt; </a:t>
-            </a:r>
-            <a:r>
-              <a:rPr lang="en-US" sz="2600" dirty="0" err="1">
-                <a:latin typeface="Consolas" panose="020B0609020204030204" pitchFamily="49" charset="0"/>
-                <a:cs typeface="Consolas" panose="020B0609020204030204" pitchFamily="49" charset="0"/>
-              </a:rPr>
-              <a:t>lorenz_mdrqa</a:t>
-            </a:r>
-            <a:endParaRPr lang="en-US" sz="2600" dirty="0">
-              <a:highlight>
-                <a:srgbClr val="FFFF00"/>
-              </a:highlight>
-              <a:latin typeface="Consolas" panose="020B0609020204030204" pitchFamily="49" charset="0"/>
-              <a:cs typeface="Consolas" panose="020B0609020204030204" pitchFamily="49" charset="0"/>
-            </a:endParaRPr>
+              <a:t>We’ll start back up at 10:15</a:t>
+            </a:r>
           </a:p>
         </p:txBody>
       </p:sp>
     </p:spTree>
     <p:extLst>
       <p:ext uri="{BB962C8B-B14F-4D97-AF65-F5344CB8AC3E}">
-        <p14:creationId xmlns:p14="http://schemas.microsoft.com/office/powerpoint/2010/main" val="1378580069"/>
+        <p14:creationId xmlns:p14="http://schemas.microsoft.com/office/powerpoint/2010/main" val="712350414"/>
       </p:ext>
     </p:extLst>
   </p:cSld>
@@ -8371,7 +8029,7 @@
           <p:cNvPr id="2" name="Title 1">
             <a:extLst>
               <a:ext uri="{FF2B5EF4-FFF2-40B4-BE49-F238E27FC236}">
-                <a16:creationId xmlns:a16="http://schemas.microsoft.com/office/drawing/2014/main" id="{222FB554-49A9-284B-A4AB-77CD77B6A823}"/>
+                <a16:creationId xmlns:a16="http://schemas.microsoft.com/office/drawing/2014/main" id="{DE55E634-EB1D-E477-CD28-4DEF04D4A884}"/>
               </a:ext>
             </a:extLst>
           </p:cNvPr>
@@ -8389,12 +8047,13 @@
           <a:p>
             <a:r>
               <a:rPr lang="en-US" dirty="0"/>
-              <a:t>CYO										</a:t>
-            </a:r>
-            <a:r>
-              <a:rPr lang="en-US" sz="2000" dirty="0"/>
-              <a:t>(9:45)</a:t>
-            </a:r>
+              <a:t>Lorenz RP									</a:t>
+            </a:r>
+            <a:r>
+              <a:rPr lang="en-US" sz="2000"/>
+              <a:t>(9:35)</a:t>
+            </a:r>
+            <a:endParaRPr lang="en-US" sz="2000" dirty="0"/>
           </a:p>
         </p:txBody>
       </p:sp>
@@ -8403,7 +8062,7 @@
           <p:cNvPr id="3" name="Content Placeholder 2">
             <a:extLst>
               <a:ext uri="{FF2B5EF4-FFF2-40B4-BE49-F238E27FC236}">
-                <a16:creationId xmlns:a16="http://schemas.microsoft.com/office/drawing/2014/main" id="{183AE60D-3BFE-5F47-A993-626448AED216}"/>
+                <a16:creationId xmlns:a16="http://schemas.microsoft.com/office/drawing/2014/main" id="{4BC8D2C8-C0FC-659C-4DCE-9A25FC3F477D}"/>
               </a:ext>
             </a:extLst>
           </p:cNvPr>
@@ -8414,63 +8073,411 @@
             <p:ph idx="1"/>
           </p:nvPr>
         </p:nvSpPr>
-        <p:spPr/>
-        <p:txBody>
-          <a:bodyPr/>
+        <p:spPr>
+          <a:xfrm>
+            <a:off x="838200" y="1651058"/>
+            <a:ext cx="10951346" cy="4971684"/>
+          </a:xfrm>
+        </p:spPr>
+        <p:txBody>
+          <a:bodyPr>
+            <a:normAutofit fontScale="77500" lnSpcReduction="20000"/>
+          </a:bodyPr>
           <a:lstStyle/>
           <a:p>
             <a:r>
               <a:rPr lang="en-US" dirty="0"/>
-              <a:t>NDSLorenz2</a:t>
+              <a:t>Can do multi-dimensional RQA (direct from state space, not from recurrence plot) via </a:t>
+            </a:r>
+            <a:r>
+              <a:rPr lang="en-US" dirty="0" err="1">
+                <a:latin typeface="Consolas" panose="020B0609020204030204" pitchFamily="49" charset="0"/>
+                <a:cs typeface="Consolas" panose="020B0609020204030204" pitchFamily="49" charset="0"/>
+              </a:rPr>
+              <a:t>rqapp</a:t>
+            </a:r>
+            <a:r>
+              <a:rPr lang="en-US" dirty="0">
+                <a:latin typeface="Consolas" panose="020B0609020204030204" pitchFamily="49" charset="0"/>
+                <a:cs typeface="Consolas" panose="020B0609020204030204" pitchFamily="49" charset="0"/>
+              </a:rPr>
+              <a:t>::</a:t>
+            </a:r>
+            <a:r>
+              <a:rPr lang="en-US" dirty="0" err="1">
+                <a:latin typeface="Consolas" panose="020B0609020204030204" pitchFamily="49" charset="0"/>
+                <a:cs typeface="Consolas" panose="020B0609020204030204" pitchFamily="49" charset="0"/>
+              </a:rPr>
+              <a:t>mdrqa</a:t>
+            </a:r>
+            <a:r>
+              <a:rPr lang="en-US" dirty="0">
+                <a:latin typeface="Consolas" panose="020B0609020204030204" pitchFamily="49" charset="0"/>
+                <a:cs typeface="Consolas" panose="020B0609020204030204" pitchFamily="49" charset="0"/>
+              </a:rPr>
+              <a:t>()</a:t>
             </a:r>
           </a:p>
           <a:p>
             <a:pPr lvl="1"/>
             <a:r>
               <a:rPr lang="en-US" dirty="0"/>
-              <a:t>Compare metrics to NDSLorenz1</a:t>
+              <a:t>Installation: </a:t>
+            </a:r>
+            <a:r>
+              <a:rPr lang="en-US" dirty="0" err="1">
+                <a:latin typeface="Consolas" panose="020B0609020204030204" pitchFamily="49" charset="0"/>
+                <a:cs typeface="Consolas" panose="020B0609020204030204" pitchFamily="49" charset="0"/>
+              </a:rPr>
+              <a:t>devtools</a:t>
+            </a:r>
+            <a:r>
+              <a:rPr lang="en-US" dirty="0">
+                <a:latin typeface="Consolas" panose="020B0609020204030204" pitchFamily="49" charset="0"/>
+                <a:cs typeface="Consolas" panose="020B0609020204030204" pitchFamily="49" charset="0"/>
+              </a:rPr>
+              <a:t>::</a:t>
+            </a:r>
+            <a:r>
+              <a:rPr lang="en-US" dirty="0" err="1">
+                <a:latin typeface="Consolas" panose="020B0609020204030204" pitchFamily="49" charset="0"/>
+                <a:cs typeface="Consolas" panose="020B0609020204030204" pitchFamily="49" charset="0"/>
+              </a:rPr>
+              <a:t>install_github</a:t>
+            </a:r>
+            <a:r>
+              <a:rPr lang="en-US" dirty="0">
+                <a:latin typeface="Consolas" panose="020B0609020204030204" pitchFamily="49" charset="0"/>
+                <a:cs typeface="Consolas" panose="020B0609020204030204" pitchFamily="49" charset="0"/>
+              </a:rPr>
+              <a:t>('</a:t>
+            </a:r>
+            <a:r>
+              <a:rPr lang="en-US" dirty="0" err="1">
+                <a:latin typeface="Consolas" panose="020B0609020204030204" pitchFamily="49" charset="0"/>
+                <a:cs typeface="Consolas" panose="020B0609020204030204" pitchFamily="49" charset="0"/>
+              </a:rPr>
+              <a:t>aaronlikens</a:t>
+            </a:r>
+            <a:r>
+              <a:rPr lang="en-US" dirty="0">
+                <a:latin typeface="Consolas" panose="020B0609020204030204" pitchFamily="49" charset="0"/>
+                <a:cs typeface="Consolas" panose="020B0609020204030204" pitchFamily="49" charset="0"/>
+              </a:rPr>
+              <a:t>/</a:t>
+            </a:r>
+            <a:r>
+              <a:rPr lang="en-US" dirty="0" err="1">
+                <a:latin typeface="Consolas" panose="020B0609020204030204" pitchFamily="49" charset="0"/>
+                <a:cs typeface="Consolas" panose="020B0609020204030204" pitchFamily="49" charset="0"/>
+              </a:rPr>
+              <a:t>rqapp</a:t>
+            </a:r>
+            <a:r>
+              <a:rPr lang="en-US" dirty="0">
+                <a:latin typeface="Consolas" panose="020B0609020204030204" pitchFamily="49" charset="0"/>
+                <a:cs typeface="Consolas" panose="020B0609020204030204" pitchFamily="49" charset="0"/>
+              </a:rPr>
+              <a:t>’)</a:t>
             </a:r>
           </a:p>
           <a:p>
             <a:pPr lvl="1"/>
             <a:r>
               <a:rPr lang="en-US" dirty="0"/>
-              <a:t>Might want to plot the three components</a:t>
-            </a:r>
-          </a:p>
-          <a:p>
-            <a:r>
-              <a:rPr lang="en-US" dirty="0"/>
-              <a:t>NDSRossler1</a:t>
-            </a:r>
-          </a:p>
-          <a:p>
-            <a:pPr lvl="1"/>
-            <a:r>
-              <a:rPr lang="en-US" dirty="0"/>
-              <a:t>A different system</a:t>
-            </a:r>
-          </a:p>
-          <a:p>
-            <a:pPr lvl="1"/>
-            <a:r>
-              <a:rPr lang="en-US" dirty="0"/>
-              <a:t>Might want to plot the three components</a:t>
-            </a:r>
-          </a:p>
-          <a:p>
-            <a:pPr lvl="1"/>
-            <a:r>
-              <a:rPr lang="en-US" dirty="0"/>
-              <a:t>Still stored as x, y, and z, though.</a:t>
-            </a:r>
+              <a:t>Don’t forget to add </a:t>
+            </a:r>
+            <a:r>
+              <a:rPr lang="en-US" dirty="0" err="1">
+                <a:latin typeface="Consolas" panose="020B0609020204030204" pitchFamily="49" charset="0"/>
+                <a:cs typeface="Consolas" panose="020B0609020204030204" pitchFamily="49" charset="0"/>
+              </a:rPr>
+              <a:t>rqapp</a:t>
+            </a:r>
+            <a:r>
+              <a:rPr lang="en-US" dirty="0"/>
+              <a:t> to your library</a:t>
+            </a:r>
+          </a:p>
+          <a:p>
+            <a:pPr marL="457200" lvl="1" indent="0">
+              <a:buNone/>
+            </a:pPr>
+            <a:endParaRPr lang="en-US" dirty="0"/>
+          </a:p>
+          <a:p>
+            <a:pPr marL="0" indent="0">
+              <a:buNone/>
+            </a:pPr>
+            <a:r>
+              <a:rPr lang="en-US" sz="2600" dirty="0" err="1">
+                <a:latin typeface="Consolas" panose="020B0609020204030204" pitchFamily="49" charset="0"/>
+                <a:cs typeface="Consolas" panose="020B0609020204030204" pitchFamily="49" charset="0"/>
+              </a:rPr>
+              <a:t>mdrqa</a:t>
+            </a:r>
+            <a:r>
+              <a:rPr lang="en-US" sz="2600" dirty="0">
+                <a:latin typeface="Consolas" panose="020B0609020204030204" pitchFamily="49" charset="0"/>
+                <a:cs typeface="Consolas" panose="020B0609020204030204" pitchFamily="49" charset="0"/>
+              </a:rPr>
+              <a:t>(</a:t>
+            </a:r>
+            <a:r>
+              <a:rPr lang="en-US" sz="2600" dirty="0" err="1">
+                <a:latin typeface="Consolas" panose="020B0609020204030204" pitchFamily="49" charset="0"/>
+                <a:cs typeface="Consolas" panose="020B0609020204030204" pitchFamily="49" charset="0"/>
+              </a:rPr>
+              <a:t>ts</a:t>
+            </a:r>
+            <a:r>
+              <a:rPr lang="en-US" sz="2600" dirty="0">
+                <a:latin typeface="Consolas" panose="020B0609020204030204" pitchFamily="49" charset="0"/>
+                <a:cs typeface="Consolas" panose="020B0609020204030204" pitchFamily="49" charset="0"/>
+              </a:rPr>
+              <a:t> = </a:t>
+            </a:r>
+            <a:r>
+              <a:rPr lang="en-US" sz="2600" dirty="0" err="1">
+                <a:latin typeface="Consolas" panose="020B0609020204030204" pitchFamily="49" charset="0"/>
+                <a:cs typeface="Consolas" panose="020B0609020204030204" pitchFamily="49" charset="0"/>
+              </a:rPr>
+              <a:t>cbind</a:t>
+            </a:r>
+            <a:r>
+              <a:rPr lang="en-US" sz="2600" dirty="0">
+                <a:latin typeface="Consolas" panose="020B0609020204030204" pitchFamily="49" charset="0"/>
+                <a:cs typeface="Consolas" panose="020B0609020204030204" pitchFamily="49" charset="0"/>
+              </a:rPr>
+              <a:t>(</a:t>
+            </a:r>
+            <a:r>
+              <a:rPr lang="en-US" sz="2600" dirty="0" err="1">
+                <a:latin typeface="Consolas" panose="020B0609020204030204" pitchFamily="49" charset="0"/>
+                <a:cs typeface="Consolas" panose="020B0609020204030204" pitchFamily="49" charset="0"/>
+              </a:rPr>
+              <a:t>lorenz_ls$x</a:t>
+            </a:r>
+            <a:r>
+              <a:rPr lang="en-US" sz="2600" dirty="0">
+                <a:latin typeface="Consolas" panose="020B0609020204030204" pitchFamily="49" charset="0"/>
+                <a:cs typeface="Consolas" panose="020B0609020204030204" pitchFamily="49" charset="0"/>
+              </a:rPr>
+              <a:t>, </a:t>
+            </a:r>
+            <a:r>
+              <a:rPr lang="en-US" sz="2600" dirty="0" err="1">
+                <a:latin typeface="Consolas" panose="020B0609020204030204" pitchFamily="49" charset="0"/>
+                <a:cs typeface="Consolas" panose="020B0609020204030204" pitchFamily="49" charset="0"/>
+              </a:rPr>
+              <a:t>lorenz_ls$y</a:t>
+            </a:r>
+            <a:r>
+              <a:rPr lang="en-US" sz="2600" dirty="0">
+                <a:latin typeface="Consolas" panose="020B0609020204030204" pitchFamily="49" charset="0"/>
+                <a:cs typeface="Consolas" panose="020B0609020204030204" pitchFamily="49" charset="0"/>
+              </a:rPr>
+              <a:t>, </a:t>
+            </a:r>
+            <a:r>
+              <a:rPr lang="en-US" sz="2600" dirty="0" err="1">
+                <a:latin typeface="Consolas" panose="020B0609020204030204" pitchFamily="49" charset="0"/>
+                <a:cs typeface="Consolas" panose="020B0609020204030204" pitchFamily="49" charset="0"/>
+              </a:rPr>
+              <a:t>lorenz_ls$z</a:t>
+            </a:r>
+            <a:r>
+              <a:rPr lang="en-US" sz="2600" dirty="0">
+                <a:latin typeface="Consolas" panose="020B0609020204030204" pitchFamily="49" charset="0"/>
+                <a:cs typeface="Consolas" panose="020B0609020204030204" pitchFamily="49" charset="0"/>
+              </a:rPr>
+              <a:t>), # Read data first!</a:t>
+            </a:r>
+          </a:p>
+          <a:p>
+            <a:pPr marL="0" indent="0">
+              <a:buNone/>
+            </a:pPr>
+            <a:r>
+              <a:rPr lang="en-US" sz="2600" dirty="0">
+                <a:latin typeface="Consolas" panose="020B0609020204030204" pitchFamily="49" charset="0"/>
+                <a:cs typeface="Consolas" panose="020B0609020204030204" pitchFamily="49" charset="0"/>
+              </a:rPr>
+              <a:t>      embed = 1, # Each component is embedded in a single dimension</a:t>
+            </a:r>
+          </a:p>
+          <a:p>
+            <a:pPr marL="0" indent="0">
+              <a:buNone/>
+            </a:pPr>
+            <a:r>
+              <a:rPr lang="en-US" sz="2600" dirty="0">
+                <a:latin typeface="Consolas" panose="020B0609020204030204" pitchFamily="49" charset="0"/>
+                <a:cs typeface="Consolas" panose="020B0609020204030204" pitchFamily="49" charset="0"/>
+              </a:rPr>
+              <a:t>      delay = 0, </a:t>
+            </a:r>
+          </a:p>
+          <a:p>
+            <a:pPr marL="0" indent="0">
+              <a:buNone/>
+            </a:pPr>
+            <a:r>
+              <a:rPr lang="en-US" sz="2600" dirty="0">
+                <a:latin typeface="Consolas" panose="020B0609020204030204" pitchFamily="49" charset="0"/>
+                <a:cs typeface="Consolas" panose="020B0609020204030204" pitchFamily="49" charset="0"/>
+              </a:rPr>
+              <a:t>      rescale = 0, </a:t>
+            </a:r>
+          </a:p>
+          <a:p>
+            <a:pPr marL="0" indent="0">
+              <a:buNone/>
+            </a:pPr>
+            <a:r>
+              <a:rPr lang="en-US" sz="2600" dirty="0">
+                <a:latin typeface="Consolas" panose="020B0609020204030204" pitchFamily="49" charset="0"/>
+                <a:cs typeface="Consolas" panose="020B0609020204030204" pitchFamily="49" charset="0"/>
+              </a:rPr>
+              <a:t>      normalize = 0,</a:t>
+            </a:r>
+          </a:p>
+          <a:p>
+            <a:pPr marL="0" indent="0">
+              <a:buNone/>
+            </a:pPr>
+            <a:r>
+              <a:rPr lang="en-US" sz="2600" dirty="0">
+                <a:latin typeface="Consolas" panose="020B0609020204030204" pitchFamily="49" charset="0"/>
+                <a:cs typeface="Consolas" panose="020B0609020204030204" pitchFamily="49" charset="0"/>
+              </a:rPr>
+              <a:t>      </a:t>
+            </a:r>
+            <a:r>
+              <a:rPr lang="en-US" sz="2600" dirty="0" err="1">
+                <a:latin typeface="Consolas" panose="020B0609020204030204" pitchFamily="49" charset="0"/>
+                <a:cs typeface="Consolas" panose="020B0609020204030204" pitchFamily="49" charset="0"/>
+              </a:rPr>
+              <a:t>mindiagline</a:t>
+            </a:r>
+            <a:r>
+              <a:rPr lang="en-US" sz="2600" dirty="0">
+                <a:latin typeface="Consolas" panose="020B0609020204030204" pitchFamily="49" charset="0"/>
+                <a:cs typeface="Consolas" panose="020B0609020204030204" pitchFamily="49" charset="0"/>
+              </a:rPr>
+              <a:t> = 2, </a:t>
+            </a:r>
+          </a:p>
+          <a:p>
+            <a:pPr marL="0" indent="0">
+              <a:buNone/>
+            </a:pPr>
+            <a:r>
+              <a:rPr lang="en-US" sz="2600" dirty="0">
+                <a:latin typeface="Consolas" panose="020B0609020204030204" pitchFamily="49" charset="0"/>
+                <a:cs typeface="Consolas" panose="020B0609020204030204" pitchFamily="49" charset="0"/>
+              </a:rPr>
+              <a:t>      </a:t>
+            </a:r>
+            <a:r>
+              <a:rPr lang="en-US" sz="2600" dirty="0" err="1">
+                <a:latin typeface="Consolas" panose="020B0609020204030204" pitchFamily="49" charset="0"/>
+                <a:cs typeface="Consolas" panose="020B0609020204030204" pitchFamily="49" charset="0"/>
+              </a:rPr>
+              <a:t>minvertline</a:t>
+            </a:r>
+            <a:r>
+              <a:rPr lang="en-US" sz="2600" dirty="0">
+                <a:latin typeface="Consolas" panose="020B0609020204030204" pitchFamily="49" charset="0"/>
+                <a:cs typeface="Consolas" panose="020B0609020204030204" pitchFamily="49" charset="0"/>
+              </a:rPr>
+              <a:t> = 2, </a:t>
+            </a:r>
+          </a:p>
+          <a:p>
+            <a:pPr marL="0" indent="0">
+              <a:buNone/>
+            </a:pPr>
+            <a:r>
+              <a:rPr lang="en-US" sz="2600" dirty="0">
+                <a:latin typeface="Consolas" panose="020B0609020204030204" pitchFamily="49" charset="0"/>
+                <a:cs typeface="Consolas" panose="020B0609020204030204" pitchFamily="49" charset="0"/>
+              </a:rPr>
+              <a:t>      </a:t>
+            </a:r>
+            <a:r>
+              <a:rPr lang="en-US" sz="2600" dirty="0" err="1">
+                <a:latin typeface="Consolas" panose="020B0609020204030204" pitchFamily="49" charset="0"/>
+                <a:cs typeface="Consolas" panose="020B0609020204030204" pitchFamily="49" charset="0"/>
+              </a:rPr>
+              <a:t>t_win</a:t>
+            </a:r>
+            <a:r>
+              <a:rPr lang="en-US" sz="2600" dirty="0">
+                <a:latin typeface="Consolas" panose="020B0609020204030204" pitchFamily="49" charset="0"/>
+                <a:cs typeface="Consolas" panose="020B0609020204030204" pitchFamily="49" charset="0"/>
+              </a:rPr>
+              <a:t> = 0, </a:t>
+            </a:r>
+          </a:p>
+          <a:p>
+            <a:pPr marL="0" indent="0">
+              <a:buNone/>
+            </a:pPr>
+            <a:r>
+              <a:rPr lang="en-US" sz="2600" dirty="0">
+                <a:latin typeface="Consolas" panose="020B0609020204030204" pitchFamily="49" charset="0"/>
+                <a:cs typeface="Consolas" panose="020B0609020204030204" pitchFamily="49" charset="0"/>
+              </a:rPr>
+              <a:t>      radius = 0.2, </a:t>
+            </a:r>
+          </a:p>
+          <a:p>
+            <a:pPr marL="0" indent="0">
+              <a:buNone/>
+            </a:pPr>
+            <a:r>
+              <a:rPr lang="en-US" sz="2600" dirty="0">
+                <a:latin typeface="Consolas" panose="020B0609020204030204" pitchFamily="49" charset="0"/>
+                <a:cs typeface="Consolas" panose="020B0609020204030204" pitchFamily="49" charset="0"/>
+              </a:rPr>
+              <a:t>      </a:t>
+            </a:r>
+            <a:r>
+              <a:rPr lang="en-US" sz="2600" dirty="0" err="1">
+                <a:latin typeface="Consolas" panose="020B0609020204030204" pitchFamily="49" charset="0"/>
+                <a:cs typeface="Consolas" panose="020B0609020204030204" pitchFamily="49" charset="0"/>
+              </a:rPr>
+              <a:t>recpt</a:t>
+            </a:r>
+            <a:r>
+              <a:rPr lang="en-US" sz="2600" dirty="0">
+                <a:latin typeface="Consolas" panose="020B0609020204030204" pitchFamily="49" charset="0"/>
+                <a:cs typeface="Consolas" panose="020B0609020204030204" pitchFamily="49" charset="0"/>
+              </a:rPr>
+              <a:t> = 1) -&gt; </a:t>
+            </a:r>
+            <a:r>
+              <a:rPr lang="en-US" sz="2600" dirty="0" err="1">
+                <a:latin typeface="Consolas" panose="020B0609020204030204" pitchFamily="49" charset="0"/>
+                <a:cs typeface="Consolas" panose="020B0609020204030204" pitchFamily="49" charset="0"/>
+              </a:rPr>
+              <a:t>lorenz_mdrqa</a:t>
+            </a:r>
+            <a:endParaRPr lang="en-US" sz="2600" dirty="0">
+              <a:highlight>
+                <a:srgbClr val="FFFF00"/>
+              </a:highlight>
+              <a:latin typeface="Consolas" panose="020B0609020204030204" pitchFamily="49" charset="0"/>
+              <a:cs typeface="Consolas" panose="020B0609020204030204" pitchFamily="49" charset="0"/>
+            </a:endParaRPr>
           </a:p>
         </p:txBody>
       </p:sp>
     </p:spTree>
     <p:extLst>
       <p:ext uri="{BB962C8B-B14F-4D97-AF65-F5344CB8AC3E}">
-        <p14:creationId xmlns:p14="http://schemas.microsoft.com/office/powerpoint/2010/main" val="2430946666"/>
+        <p14:creationId xmlns:p14="http://schemas.microsoft.com/office/powerpoint/2010/main" val="1378580069"/>
       </p:ext>
     </p:extLst>
   </p:cSld>
